--- a/Презентация psv46.pptx
+++ b/Презентация psv46.pptx
@@ -5,21 +5,22 @@
     <p:sldMasterId id="2147483660" r:id="rId1"/>
   </p:sldMasterIdLst>
   <p:notesMasterIdLst>
-    <p:notesMasterId r:id="rId14"/>
+    <p:notesMasterId r:id="rId15"/>
   </p:notesMasterIdLst>
   <p:sldIdLst>
     <p:sldId id="256" r:id="rId2"/>
     <p:sldId id="257" r:id="rId3"/>
-    <p:sldId id="258" r:id="rId4"/>
-    <p:sldId id="259" r:id="rId5"/>
-    <p:sldId id="260" r:id="rId6"/>
-    <p:sldId id="265" r:id="rId7"/>
-    <p:sldId id="266" r:id="rId8"/>
-    <p:sldId id="261" r:id="rId9"/>
-    <p:sldId id="267" r:id="rId10"/>
-    <p:sldId id="268" r:id="rId11"/>
-    <p:sldId id="269" r:id="rId12"/>
-    <p:sldId id="270" r:id="rId13"/>
+    <p:sldId id="271" r:id="rId4"/>
+    <p:sldId id="258" r:id="rId5"/>
+    <p:sldId id="259" r:id="rId6"/>
+    <p:sldId id="260" r:id="rId7"/>
+    <p:sldId id="265" r:id="rId8"/>
+    <p:sldId id="266" r:id="rId9"/>
+    <p:sldId id="261" r:id="rId10"/>
+    <p:sldId id="267" r:id="rId11"/>
+    <p:sldId id="268" r:id="rId12"/>
+    <p:sldId id="269" r:id="rId13"/>
+    <p:sldId id="270" r:id="rId14"/>
   </p:sldIdLst>
   <p:sldSz cx="9144000" cy="6858000" type="screen4x3"/>
   <p:notesSz cx="6858000" cy="9144000"/>
@@ -203,7 +204,8 @@
           <a:p>
             <a:fld id="{E9FEC328-82BE-41C4-8301-520848B4E01D}" type="datetimeFigureOut">
               <a:rPr lang="ru-RU" smtClean="0"/>
-              <a:t>05.05.2015</a:t>
+              <a:pPr/>
+              <a:t>12.05.2015</a:t>
             </a:fld>
             <a:endParaRPr lang="ru-RU"/>
           </a:p>
@@ -364,6 +366,7 @@
           <a:p>
             <a:fld id="{14F06AD3-54B2-49CD-B79E-8BF185CEA33F}" type="slidenum">
               <a:rPr lang="ru-RU" smtClean="0"/>
+              <a:pPr/>
               <a:t>‹#›</a:t>
             </a:fld>
             <a:endParaRPr lang="ru-RU"/>
@@ -759,7 +762,8 @@
           <a:p>
             <a:fld id="{2E587AE5-40F7-44BD-84FC-4A872FBD661C}" type="datetime1">
               <a:rPr lang="ru-RU" smtClean="0"/>
-              <a:t>05.05.2015</a:t>
+              <a:pPr/>
+              <a:t>12.05.2015</a:t>
             </a:fld>
             <a:endParaRPr lang="ru-RU"/>
           </a:p>
@@ -951,7 +955,8 @@
           <a:p>
             <a:fld id="{F90F96A6-7AA1-406D-957D-67C6F40A00D7}" type="datetime1">
               <a:rPr lang="ru-RU" smtClean="0"/>
-              <a:t>05.05.2015</a:t>
+              <a:pPr/>
+              <a:t>12.05.2015</a:t>
             </a:fld>
             <a:endParaRPr lang="ru-RU"/>
           </a:p>
@@ -1137,7 +1142,8 @@
           <a:p>
             <a:fld id="{66EA30C3-2FCF-48B6-8EDD-A3A086EB01D7}" type="datetime1">
               <a:rPr lang="ru-RU" smtClean="0"/>
-              <a:t>05.05.2015</a:t>
+              <a:pPr/>
+              <a:t>12.05.2015</a:t>
             </a:fld>
             <a:endParaRPr lang="ru-RU"/>
           </a:p>
@@ -1401,7 +1407,8 @@
           <a:p>
             <a:fld id="{A06AD350-6B70-4C10-88ED-8740C09F49F0}" type="datetime1">
               <a:rPr lang="ru-RU" smtClean="0"/>
-              <a:t>05.05.2015</a:t>
+              <a:pPr/>
+              <a:t>12.05.2015</a:t>
             </a:fld>
             <a:endParaRPr lang="ru-RU"/>
           </a:p>
@@ -1818,7 +1825,8 @@
           <a:p>
             <a:fld id="{396F8A57-42AB-41B1-845B-769B98A7C224}" type="datetime1">
               <a:rPr lang="ru-RU" smtClean="0"/>
-              <a:t>05.05.2015</a:t>
+              <a:pPr/>
+              <a:t>12.05.2015</a:t>
             </a:fld>
             <a:endParaRPr lang="ru-RU"/>
           </a:p>
@@ -2061,7 +2069,8 @@
           <a:p>
             <a:fld id="{83F61661-8475-40EE-8559-BCE56ACA9C40}" type="datetime1">
               <a:rPr lang="ru-RU" smtClean="0"/>
-              <a:t>05.05.2015</a:t>
+              <a:pPr/>
+              <a:t>12.05.2015</a:t>
             </a:fld>
             <a:endParaRPr lang="ru-RU"/>
           </a:p>
@@ -2298,7 +2307,8 @@
           <a:p>
             <a:fld id="{17B90C62-94BA-4818-8337-F98C845351FB}" type="datetime1">
               <a:rPr lang="ru-RU" smtClean="0"/>
-              <a:t>05.05.2015</a:t>
+              <a:pPr/>
+              <a:t>12.05.2015</a:t>
             </a:fld>
             <a:endParaRPr lang="ru-RU"/>
           </a:p>
@@ -2494,7 +2504,8 @@
           <a:p>
             <a:fld id="{18CDB734-9A9B-4F4C-9202-6D4FA1B10D15}" type="datetime1">
               <a:rPr lang="ru-RU" smtClean="0"/>
-              <a:t>05.05.2015</a:t>
+              <a:pPr/>
+              <a:t>12.05.2015</a:t>
             </a:fld>
             <a:endParaRPr lang="ru-RU"/>
           </a:p>
@@ -2593,7 +2604,8 @@
           <a:p>
             <a:fld id="{10E83511-DF80-4A99-8921-76B90BBA7511}" type="datetime1">
               <a:rPr lang="ru-RU" smtClean="0"/>
-              <a:t>05.05.2015</a:t>
+              <a:pPr/>
+              <a:t>12.05.2015</a:t>
             </a:fld>
             <a:endParaRPr lang="ru-RU"/>
           </a:p>
@@ -2730,7 +2742,8 @@
           <a:p>
             <a:fld id="{4121419A-73A3-4C91-A79D-63AB78B0423B}" type="datetime1">
               <a:rPr lang="ru-RU" smtClean="0"/>
-              <a:t>05.05.2015</a:t>
+              <a:pPr/>
+              <a:t>12.05.2015</a:t>
             </a:fld>
             <a:endParaRPr lang="ru-RU"/>
           </a:p>
@@ -3249,7 +3262,8 @@
           <a:p>
             <a:fld id="{A0E6ADFE-120D-49F0-A2B0-1E0FDBC1C4A4}" type="datetime1">
               <a:rPr lang="ru-RU" smtClean="0"/>
-              <a:t>05.05.2015</a:t>
+              <a:pPr/>
+              <a:t>12.05.2015</a:t>
             </a:fld>
             <a:endParaRPr lang="ru-RU"/>
           </a:p>
@@ -3511,7 +3525,8 @@
           <a:p>
             <a:fld id="{F20B3184-7766-4899-87C6-11DA0A828E0E}" type="datetime1">
               <a:rPr lang="ru-RU" smtClean="0"/>
-              <a:t>05.05.2015</a:t>
+              <a:pPr/>
+              <a:t>12.05.2015</a:t>
             </a:fld>
             <a:endParaRPr lang="ru-RU"/>
           </a:p>
@@ -4077,19 +4092,7 @@
             <a:pPr algn="ctr"/>
             <a:r>
               <a:rPr lang="ru-RU" sz="4000" dirty="0" smtClean="0"/>
-              <a:t>Разработка </a:t>
-            </a:r>
-            <a:r>
-              <a:rPr lang="ru-RU" sz="4000" dirty="0" smtClean="0"/>
-              <a:t>автоматизированной </a:t>
-            </a:r>
-            <a:r>
-              <a:rPr lang="ru-RU" sz="4000" dirty="0" smtClean="0"/>
-              <a:t>системы </a:t>
-            </a:r>
-            <a:r>
-              <a:rPr lang="ru-RU" sz="4000" dirty="0" smtClean="0"/>
-              <a:t>учёта договоров в ОАО «Российские</a:t>
+              <a:t>Разработка автоматизированной системы учёта договоров в ОАО «Российские</a:t>
             </a:r>
             <a:br>
               <a:rPr lang="ru-RU" sz="4000" dirty="0" smtClean="0"/>
@@ -4132,11 +4135,7 @@
             <a:pPr algn="l"/>
             <a:r>
               <a:rPr lang="ru-RU" dirty="0" smtClean="0"/>
-              <a:t>Руководитель: </a:t>
-            </a:r>
-            <a:r>
-              <a:rPr lang="ru-RU" dirty="0" smtClean="0"/>
-              <a:t>Лепёшкин Д.С.</a:t>
+              <a:t>Руководитель: Лепёшкин Д.С.</a:t>
             </a:r>
             <a:endParaRPr lang="ru-RU" dirty="0"/>
           </a:p>
@@ -4193,11 +4192,7 @@
           <a:p>
             <a:r>
               <a:rPr lang="ru-RU" dirty="0" smtClean="0"/>
-              <a:t>Окно </a:t>
-            </a:r>
-            <a:r>
-              <a:rPr lang="ru-RU" dirty="0" smtClean="0"/>
-              <a:t>редактирования договора 3</a:t>
+              <a:t>Окно редактирования договора 2</a:t>
             </a:r>
             <a:endParaRPr lang="ru-RU" dirty="0"/>
           </a:p>
@@ -4219,8 +4214,8 @@
         </p:blipFill>
         <p:spPr>
           <a:xfrm>
-            <a:off x="453689" y="1485291"/>
-            <a:ext cx="8206751" cy="5334833"/>
+            <a:off x="453688" y="1485291"/>
+            <a:ext cx="8206753" cy="5334833"/>
           </a:xfrm>
           <a:prstGeom prst="rect">
             <a:avLst/>
@@ -4298,17 +4293,13 @@
         <p:spPr/>
         <p:txBody>
           <a:bodyPr>
-            <a:normAutofit/>
+            <a:normAutofit fontScale="90000"/>
           </a:bodyPr>
           <a:lstStyle/>
           <a:p>
             <a:r>
-              <a:rPr lang="ru-RU" dirty="0" err="1" smtClean="0"/>
-              <a:t>Валидация</a:t>
-            </a:r>
-            <a:r>
               <a:rPr lang="ru-RU" dirty="0" smtClean="0"/>
-              <a:t> при сохранении</a:t>
+              <a:t>Окно редактирования договора 3</a:t>
             </a:r>
             <a:endParaRPr lang="ru-RU" dirty="0"/>
           </a:p>
@@ -4331,7 +4322,7 @@
         <p:spPr>
           <a:xfrm>
             <a:off x="453689" y="1485291"/>
-            <a:ext cx="8206751" cy="5334832"/>
+            <a:ext cx="8206751" cy="5334833"/>
           </a:xfrm>
           <a:prstGeom prst="rect">
             <a:avLst/>
@@ -4414,6 +4405,117 @@
           <a:lstStyle/>
           <a:p>
             <a:r>
+              <a:rPr lang="ru-RU" dirty="0" err="1" smtClean="0"/>
+              <a:t>Валидация</a:t>
+            </a:r>
+            <a:r>
+              <a:rPr lang="ru-RU" dirty="0" smtClean="0"/>
+              <a:t> при сохранении</a:t>
+            </a:r>
+            <a:endParaRPr lang="ru-RU" dirty="0"/>
+          </a:p>
+        </p:txBody>
+      </p:sp>
+      <p:pic>
+        <p:nvPicPr>
+          <p:cNvPr id="14" name="Рисунок 13" descr="Snap5.png"/>
+          <p:cNvPicPr>
+            <a:picLocks noChangeAspect="1"/>
+          </p:cNvPicPr>
+          <p:nvPr/>
+        </p:nvPicPr>
+        <p:blipFill>
+          <a:blip r:embed="rId2" cstate="print"/>
+          <a:stretch>
+            <a:fillRect/>
+          </a:stretch>
+        </p:blipFill>
+        <p:spPr>
+          <a:xfrm>
+            <a:off x="453689" y="1485291"/>
+            <a:ext cx="8206751" cy="5334832"/>
+          </a:xfrm>
+          <a:prstGeom prst="rect">
+            <a:avLst/>
+          </a:prstGeom>
+        </p:spPr>
+      </p:pic>
+      <p:sp>
+        <p:nvSpPr>
+          <p:cNvPr id="4" name="Номер слайда 3"/>
+          <p:cNvSpPr>
+            <a:spLocks noGrp="1"/>
+          </p:cNvSpPr>
+          <p:nvPr>
+            <p:ph type="sldNum" sz="quarter" idx="16"/>
+          </p:nvPr>
+        </p:nvSpPr>
+        <p:spPr/>
+        <p:txBody>
+          <a:bodyPr>
+            <a:normAutofit fontScale="85000" lnSpcReduction="20000"/>
+          </a:bodyPr>
+          <a:lstStyle/>
+          <a:p>
+            <a:fld id="{725C68B6-61C2-468F-89AB-4B9F7531AA68}" type="slidenum">
+              <a:rPr lang="ru-RU" smtClean="0"/>
+              <a:pPr/>
+              <a:t>12</a:t>
+            </a:fld>
+            <a:endParaRPr lang="ru-RU"/>
+          </a:p>
+        </p:txBody>
+      </p:sp>
+    </p:spTree>
+  </p:cSld>
+  <p:clrMapOvr>
+    <a:masterClrMapping/>
+  </p:clrMapOvr>
+  <p:timing>
+    <p:tnLst>
+      <p:par>
+        <p:cTn id="1" dur="indefinite" restart="never" nodeType="tmRoot"/>
+      </p:par>
+    </p:tnLst>
+  </p:timing>
+</p:sld>
+</file>
+
+<file path=ppt/slides/slide13.xml><?xml version="1.0" encoding="utf-8"?>
+<p:sld xmlns:a="http://schemas.openxmlformats.org/drawingml/2006/main" xmlns:r="http://schemas.openxmlformats.org/officeDocument/2006/relationships" xmlns:p="http://schemas.openxmlformats.org/presentationml/2006/main">
+  <p:cSld>
+    <p:spTree>
+      <p:nvGrpSpPr>
+        <p:cNvPr id="1" name=""/>
+        <p:cNvGrpSpPr/>
+        <p:nvPr/>
+      </p:nvGrpSpPr>
+      <p:grpSpPr>
+        <a:xfrm>
+          <a:off x="0" y="0"/>
+          <a:ext cx="0" cy="0"/>
+          <a:chOff x="0" y="0"/>
+          <a:chExt cx="0" cy="0"/>
+        </a:xfrm>
+      </p:grpSpPr>
+      <p:sp>
+        <p:nvSpPr>
+          <p:cNvPr id="2" name="Заголовок 1"/>
+          <p:cNvSpPr>
+            <a:spLocks noGrp="1"/>
+          </p:cNvSpPr>
+          <p:nvPr>
+            <p:ph type="title"/>
+          </p:nvPr>
+        </p:nvSpPr>
+        <p:spPr/>
+        <p:txBody>
+          <a:bodyPr>
+            <a:normAutofit/>
+          </a:bodyPr>
+          <a:lstStyle/>
+          <a:p>
+            <a:r>
               <a:rPr lang="ru-RU" dirty="0" smtClean="0"/>
               <a:t>Результаты и выводы</a:t>
             </a:r>
@@ -4529,7 +4631,7 @@
             <a:fld id="{725C68B6-61C2-468F-89AB-4B9F7531AA68}" type="slidenum">
               <a:rPr lang="ru-RU" smtClean="0"/>
               <a:pPr/>
-              <a:t>12</a:t>
+              <a:t>13</a:t>
             </a:fld>
             <a:endParaRPr lang="ru-RU"/>
           </a:p>
@@ -4605,40 +4707,12 @@
           <a:bodyPr/>
           <a:lstStyle/>
           <a:p>
-            <a:pPr marL="0" indent="0">
+            <a:pPr marL="0" indent="320400">
               <a:buNone/>
             </a:pPr>
             <a:r>
               <a:rPr lang="ru-RU" dirty="0" smtClean="0"/>
-              <a:t>Данна</a:t>
-            </a:r>
-            <a:r>
-              <a:rPr lang="ru-RU" dirty="0" smtClean="0"/>
-              <a:t>я выпускная квалификационная работа посвящена разработке автоматизированной системе </a:t>
-            </a:r>
-            <a:r>
-              <a:rPr lang="ru-RU" dirty="0" smtClean="0"/>
-              <a:t>документооборота</a:t>
-            </a:r>
-            <a:r>
-              <a:rPr lang="ru-RU" dirty="0" smtClean="0"/>
-              <a:t>, упрощающую </a:t>
-            </a:r>
-            <a:r>
-              <a:rPr lang="ru-RU" dirty="0" smtClean="0"/>
-              <a:t>подачу, обработку</a:t>
-            </a:r>
-            <a:r>
-              <a:rPr lang="ru-RU" dirty="0" smtClean="0"/>
-              <a:t>, поиск документов и </a:t>
-            </a:r>
-            <a:r>
-              <a:rPr lang="ru-RU" dirty="0" smtClean="0"/>
-              <a:t>наблюдение за </a:t>
-            </a:r>
-            <a:r>
-              <a:rPr lang="ru-RU" dirty="0" smtClean="0"/>
-              <a:t>их выполнением.</a:t>
+              <a:t>Данная выпускная квалификационная работа посвящена разработке автоматизированной системе документооборота, упрощающую подачу, обработку, поиск документов и наблюдение за их выполнением.</a:t>
             </a:r>
             <a:endParaRPr lang="ru-RU" dirty="0"/>
           </a:p>
@@ -4714,80 +4788,105 @@
         </p:nvSpPr>
         <p:spPr/>
         <p:txBody>
+          <a:bodyPr/>
+          <a:lstStyle/>
+          <a:p>
+            <a:r>
+              <a:rPr lang="ru-RU" dirty="0" smtClean="0"/>
+              <a:t>Обзор существующих решений</a:t>
+            </a:r>
+            <a:endParaRPr lang="ru-RU" dirty="0"/>
+          </a:p>
+        </p:txBody>
+      </p:sp>
+      <p:sp>
+        <p:nvSpPr>
+          <p:cNvPr id="3" name="Содержимое 2"/>
+          <p:cNvSpPr>
+            <a:spLocks noGrp="1"/>
+          </p:cNvSpPr>
+          <p:nvPr>
+            <p:ph sz="quarter" idx="1"/>
+          </p:nvPr>
+        </p:nvSpPr>
+        <p:spPr/>
+        <p:txBody>
           <a:bodyPr>
-            <a:normAutofit fontScale="90000"/>
+            <a:normAutofit fontScale="85000" lnSpcReduction="10000"/>
           </a:bodyPr>
           <a:lstStyle/>
           <a:p>
+            <a:pPr marL="0" indent="320040">
+              <a:buNone/>
+            </a:pPr>
             <a:r>
               <a:rPr lang="ru-RU" dirty="0" smtClean="0"/>
-              <a:t>Выбор архитектуры</a:t>
-            </a:r>
-            <a:br>
+              <a:t>В качестве потенциальных претендентов для решения основных задач были рассмотрены и проведен анализ функциональных возможностей систем:</a:t>
+            </a:r>
+          </a:p>
+          <a:p>
+            <a:r>
               <a:rPr lang="ru-RU" dirty="0" smtClean="0"/>
-            </a:br>
+              <a:t>СЭД </a:t>
+            </a:r>
             <a:r>
               <a:rPr lang="ru-RU" dirty="0" smtClean="0"/>
-              <a:t>разрабатываемой системы</a:t>
-            </a:r>
-            <a:endParaRPr lang="ru-RU" dirty="0"/>
-          </a:p>
-        </p:txBody>
-      </p:sp>
-      <p:sp>
-        <p:nvSpPr>
-          <p:cNvPr id="3" name="Содержимое 2"/>
-          <p:cNvSpPr>
-            <a:spLocks noGrp="1"/>
-          </p:cNvSpPr>
-          <p:nvPr>
-            <p:ph sz="quarter" idx="1"/>
-          </p:nvPr>
-        </p:nvSpPr>
-        <p:spPr/>
-        <p:txBody>
-          <a:bodyPr/>
-          <a:lstStyle/>
+              <a:t>«ДЕЛО»</a:t>
+            </a:r>
+            <a:r>
+              <a:rPr lang="en-US" dirty="0" smtClean="0"/>
+              <a:t>;</a:t>
+            </a:r>
+            <a:endParaRPr lang="ru-RU" dirty="0" smtClean="0"/>
+          </a:p>
+          <a:p>
+            <a:r>
+              <a:rPr lang="en-US" dirty="0" err="1" smtClean="0"/>
+              <a:t>Docsvision</a:t>
+            </a:r>
+            <a:r>
+              <a:rPr lang="en-US" dirty="0" smtClean="0"/>
+              <a:t> 5</a:t>
+            </a:r>
+            <a:r>
+              <a:rPr lang="en-US" dirty="0" smtClean="0"/>
+              <a:t>;</a:t>
+            </a:r>
+            <a:endParaRPr lang="ru-RU" dirty="0" smtClean="0"/>
+          </a:p>
           <a:p>
             <a:r>
               <a:rPr lang="ru-RU" dirty="0" smtClean="0"/>
-              <a:t>Среда разработки приложений: </a:t>
-            </a:r>
-            <a:endParaRPr lang="en-US" dirty="0" smtClean="0"/>
-          </a:p>
-          <a:p>
-            <a:pPr lvl="1"/>
+              <a:t>1С:Документооборот</a:t>
+            </a:r>
             <a:r>
               <a:rPr lang="en-US" dirty="0" smtClean="0"/>
-              <a:t>Microsoft Visual Studio 2012</a:t>
-            </a:r>
-          </a:p>
-          <a:p>
+              <a:t>.</a:t>
+            </a:r>
+            <a:endParaRPr lang="ru-RU" dirty="0" smtClean="0"/>
+          </a:p>
+          <a:p>
+            <a:endParaRPr lang="ru-RU" dirty="0" smtClean="0"/>
+          </a:p>
+          <a:p>
+            <a:pPr marL="0">
+              <a:buNone/>
+            </a:pPr>
             <a:r>
               <a:rPr lang="ru-RU" dirty="0" smtClean="0"/>
-              <a:t>Язык программирования:</a:t>
-            </a:r>
-            <a:endParaRPr lang="en-US" dirty="0" smtClean="0"/>
-          </a:p>
-          <a:p>
-            <a:pPr lvl="1"/>
-            <a:r>
-              <a:rPr lang="en-US" dirty="0" smtClean="0"/>
-              <a:t>C#</a:t>
+              <a:t>Недостатки данных систем:</a:t>
             </a:r>
           </a:p>
           <a:p>
             <a:r>
               <a:rPr lang="ru-RU" dirty="0" smtClean="0"/>
-              <a:t>СУБД: </a:t>
-            </a:r>
-            <a:endParaRPr lang="en-US" dirty="0" smtClean="0"/>
-          </a:p>
-          <a:p>
-            <a:pPr lvl="1"/>
-            <a:r>
-              <a:rPr lang="en-US" dirty="0" smtClean="0"/>
-              <a:t>Microsoft SQL Server</a:t>
+              <a:t>Требуется доработка функционала для задач предприятия;</a:t>
+            </a:r>
+          </a:p>
+          <a:p>
+            <a:r>
+              <a:rPr lang="ru-RU" dirty="0" smtClean="0"/>
+              <a:t>Высокая цена.</a:t>
             </a:r>
             <a:endParaRPr lang="ru-RU" dirty="0"/>
           </a:p>
@@ -4863,47 +4962,88 @@
         </p:nvSpPr>
         <p:spPr/>
         <p:txBody>
+          <a:bodyPr>
+            <a:normAutofit fontScale="90000"/>
+          </a:bodyPr>
+          <a:lstStyle/>
+          <a:p>
+            <a:r>
+              <a:rPr lang="ru-RU" dirty="0" smtClean="0"/>
+              <a:t>Выбор архитектуры</a:t>
+            </a:r>
+            <a:br>
+              <a:rPr lang="ru-RU" dirty="0" smtClean="0"/>
+            </a:br>
+            <a:r>
+              <a:rPr lang="ru-RU" dirty="0" smtClean="0"/>
+              <a:t>разрабатываемой системы</a:t>
+            </a:r>
+            <a:endParaRPr lang="ru-RU" dirty="0"/>
+          </a:p>
+        </p:txBody>
+      </p:sp>
+      <p:sp>
+        <p:nvSpPr>
+          <p:cNvPr id="3" name="Содержимое 2"/>
+          <p:cNvSpPr>
+            <a:spLocks noGrp="1"/>
+          </p:cNvSpPr>
+          <p:nvPr>
+            <p:ph sz="quarter" idx="1"/>
+          </p:nvPr>
+        </p:nvSpPr>
+        <p:spPr/>
+        <p:txBody>
           <a:bodyPr/>
           <a:lstStyle/>
           <a:p>
             <a:r>
               <a:rPr lang="ru-RU" dirty="0" smtClean="0"/>
-              <a:t>Диаграмма классов </a:t>
-            </a:r>
+              <a:t>Среда разработки приложений: </a:t>
+            </a:r>
+            <a:endParaRPr lang="en-US" dirty="0" smtClean="0"/>
+          </a:p>
+          <a:p>
+            <a:pPr lvl="1"/>
+            <a:r>
+              <a:rPr lang="en-US" dirty="0" smtClean="0"/>
+              <a:t>Microsoft Visual Studio 2012</a:t>
+            </a:r>
+          </a:p>
+          <a:p>
             <a:r>
               <a:rPr lang="ru-RU" dirty="0" smtClean="0"/>
-              <a:t>системы</a:t>
+              <a:t>Язык программирования:</a:t>
+            </a:r>
+            <a:endParaRPr lang="en-US" dirty="0" smtClean="0"/>
+          </a:p>
+          <a:p>
+            <a:pPr lvl="1"/>
+            <a:r>
+              <a:rPr lang="en-US" dirty="0" smtClean="0"/>
+              <a:t>C#</a:t>
+            </a:r>
+          </a:p>
+          <a:p>
+            <a:r>
+              <a:rPr lang="ru-RU" dirty="0" smtClean="0"/>
+              <a:t>СУБД: </a:t>
+            </a:r>
+            <a:endParaRPr lang="en-US" dirty="0" smtClean="0"/>
+          </a:p>
+          <a:p>
+            <a:pPr lvl="1"/>
+            <a:r>
+              <a:rPr lang="en-US" dirty="0" smtClean="0"/>
+              <a:t>Microsoft SQL Server</a:t>
             </a:r>
             <a:endParaRPr lang="ru-RU" dirty="0"/>
           </a:p>
         </p:txBody>
       </p:sp>
-      <p:pic>
-        <p:nvPicPr>
-          <p:cNvPr id="4" name="Содержимое 3" descr="diagram2.png"/>
-          <p:cNvPicPr>
-            <a:picLocks noGrp="1" noChangeAspect="1"/>
-          </p:cNvPicPr>
-          <p:nvPr>
-            <p:ph sz="quarter" idx="1"/>
-          </p:nvPr>
-        </p:nvPicPr>
-        <p:blipFill>
-          <a:blip r:embed="rId2" cstate="print"/>
-          <a:stretch>
-            <a:fillRect/>
-          </a:stretch>
-        </p:blipFill>
-        <p:spPr>
-          <a:xfrm>
-            <a:off x="1331640" y="1600199"/>
-            <a:ext cx="6641433" cy="5257801"/>
-          </a:xfrm>
-        </p:spPr>
-      </p:pic>
-      <p:sp>
-        <p:nvSpPr>
-          <p:cNvPr id="5" name="Номер слайда 4"/>
+      <p:sp>
+        <p:nvSpPr>
+          <p:cNvPr id="4" name="Номер слайда 3"/>
           <p:cNvSpPr>
             <a:spLocks noGrp="1"/>
           </p:cNvSpPr>
@@ -4976,7 +5116,7 @@
           <a:p>
             <a:r>
               <a:rPr lang="ru-RU" dirty="0" smtClean="0"/>
-              <a:t>Основное окно</a:t>
+              <a:t>Диаграмма классов системы</a:t>
             </a:r>
             <a:endParaRPr lang="ru-RU" dirty="0"/>
           </a:p>
@@ -4984,11 +5124,13 @@
       </p:sp>
       <p:pic>
         <p:nvPicPr>
-          <p:cNvPr id="6" name="Рисунок 5" descr="Snap1.png"/>
+          <p:cNvPr id="4" name="Содержимое 3" descr="diagram2.png"/>
           <p:cNvPicPr>
-            <a:picLocks noChangeAspect="1"/>
+            <a:picLocks noGrp="1" noChangeAspect="1"/>
           </p:cNvPicPr>
-          <p:nvPr/>
+          <p:nvPr>
+            <p:ph sz="quarter" idx="1"/>
+          </p:nvPr>
         </p:nvPicPr>
         <p:blipFill>
           <a:blip r:embed="rId2" cstate="print"/>
@@ -4998,22 +5140,19 @@
         </p:blipFill>
         <p:spPr>
           <a:xfrm>
-            <a:off x="179512" y="2060848"/>
-            <a:ext cx="8784976" cy="3495909"/>
-          </a:xfrm>
-          <a:prstGeom prst="rect">
-            <a:avLst/>
-          </a:prstGeom>
+            <a:off x="1331640" y="1600199"/>
+            <a:ext cx="6641433" cy="5257801"/>
+          </a:xfrm>
         </p:spPr>
       </p:pic>
       <p:sp>
         <p:nvSpPr>
-          <p:cNvPr id="9" name="Номер слайда 8"/>
-          <p:cNvSpPr>
-            <a:spLocks noGrp="1"/>
-          </p:cNvSpPr>
-          <p:nvPr>
-            <p:ph type="sldNum" sz="quarter" idx="16"/>
+          <p:cNvPr id="5" name="Номер слайда 4"/>
+          <p:cNvSpPr>
+            <a:spLocks noGrp="1"/>
+          </p:cNvSpPr>
+          <p:nvPr>
+            <p:ph type="sldNum" sz="quarter" idx="12"/>
           </p:nvPr>
         </p:nvSpPr>
         <p:spPr/>
@@ -5081,7 +5220,7 @@
           <a:p>
             <a:r>
               <a:rPr lang="ru-RU" dirty="0" smtClean="0"/>
-              <a:t>Списки договоров</a:t>
+              <a:t>Основное окно</a:t>
             </a:r>
             <a:endParaRPr lang="ru-RU" dirty="0"/>
           </a:p>
@@ -5089,7 +5228,7 @@
       </p:sp>
       <p:pic>
         <p:nvPicPr>
-          <p:cNvPr id="9" name="Рисунок 8" descr="Snap2.png"/>
+          <p:cNvPr id="6" name="Рисунок 5" descr="Snap1.png"/>
           <p:cNvPicPr>
             <a:picLocks noChangeAspect="1"/>
           </p:cNvPicPr>
@@ -5103,8 +5242,8 @@
         </p:blipFill>
         <p:spPr>
           <a:xfrm>
-            <a:off x="2123727" y="1576780"/>
-            <a:ext cx="4856281" cy="5108712"/>
+            <a:off x="179512" y="2060848"/>
+            <a:ext cx="8784976" cy="3495909"/>
           </a:xfrm>
           <a:prstGeom prst="rect">
             <a:avLst/>
@@ -5113,7 +5252,7 @@
       </p:pic>
       <p:sp>
         <p:nvSpPr>
-          <p:cNvPr id="11" name="Номер слайда 10"/>
+          <p:cNvPr id="9" name="Номер слайда 8"/>
           <p:cNvSpPr>
             <a:spLocks noGrp="1"/>
           </p:cNvSpPr>
@@ -5186,7 +5325,7 @@
           <a:p>
             <a:r>
               <a:rPr lang="ru-RU" dirty="0" smtClean="0"/>
-              <a:t>Отчёты</a:t>
+              <a:t>Списки договоров</a:t>
             </a:r>
             <a:endParaRPr lang="ru-RU" dirty="0"/>
           </a:p>
@@ -5194,7 +5333,7 @@
       </p:sp>
       <p:pic>
         <p:nvPicPr>
-          <p:cNvPr id="4" name="Рисунок 3" descr="Snap3.png"/>
+          <p:cNvPr id="9" name="Рисунок 8" descr="Snap2.png"/>
           <p:cNvPicPr>
             <a:picLocks noChangeAspect="1"/>
           </p:cNvPicPr>
@@ -5208,8 +5347,8 @@
         </p:blipFill>
         <p:spPr>
           <a:xfrm>
-            <a:off x="323528" y="1700808"/>
-            <a:ext cx="8547602" cy="4830760"/>
+            <a:off x="2123727" y="1576780"/>
+            <a:ext cx="4856281" cy="5108712"/>
           </a:xfrm>
           <a:prstGeom prst="rect">
             <a:avLst/>
@@ -5218,7 +5357,7 @@
       </p:pic>
       <p:sp>
         <p:nvSpPr>
-          <p:cNvPr id="6" name="Номер слайда 5"/>
+          <p:cNvPr id="11" name="Номер слайда 10"/>
           <p:cNvSpPr>
             <a:spLocks noGrp="1"/>
           </p:cNvSpPr>
@@ -5291,11 +5430,7 @@
           <a:p>
             <a:r>
               <a:rPr lang="ru-RU" dirty="0" smtClean="0"/>
-              <a:t>Окно </a:t>
-            </a:r>
-            <a:r>
-              <a:rPr lang="ru-RU" dirty="0" smtClean="0"/>
-              <a:t>редактирования договора</a:t>
+              <a:t>Отчёты</a:t>
             </a:r>
             <a:endParaRPr lang="ru-RU" dirty="0"/>
           </a:p>
@@ -5303,7 +5438,7 @@
       </p:sp>
       <p:pic>
         <p:nvPicPr>
-          <p:cNvPr id="14" name="Рисунок 13" descr="Snap5.png"/>
+          <p:cNvPr id="4" name="Рисунок 3" descr="Snap3.png"/>
           <p:cNvPicPr>
             <a:picLocks noChangeAspect="1"/>
           </p:cNvPicPr>
@@ -5317,8 +5452,8 @@
         </p:blipFill>
         <p:spPr>
           <a:xfrm>
-            <a:off x="453688" y="1485291"/>
-            <a:ext cx="8206753" cy="5334834"/>
+            <a:off x="323528" y="1700808"/>
+            <a:ext cx="8547602" cy="4830760"/>
           </a:xfrm>
           <a:prstGeom prst="rect">
             <a:avLst/>
@@ -5327,7 +5462,7 @@
       </p:pic>
       <p:sp>
         <p:nvSpPr>
-          <p:cNvPr id="15" name="Номер слайда 14"/>
+          <p:cNvPr id="6" name="Номер слайда 5"/>
           <p:cNvSpPr>
             <a:spLocks noGrp="1"/>
           </p:cNvSpPr>
@@ -5395,18 +5530,12 @@
         </p:nvSpPr>
         <p:spPr/>
         <p:txBody>
-          <a:bodyPr>
-            <a:normAutofit fontScale="90000"/>
-          </a:bodyPr>
+          <a:bodyPr/>
           <a:lstStyle/>
           <a:p>
             <a:r>
               <a:rPr lang="ru-RU" dirty="0" smtClean="0"/>
-              <a:t>Окно </a:t>
-            </a:r>
-            <a:r>
-              <a:rPr lang="ru-RU" dirty="0" smtClean="0"/>
-              <a:t>редактирования договора 2</a:t>
+              <a:t>Окно редактирования договора</a:t>
             </a:r>
             <a:endParaRPr lang="ru-RU" dirty="0"/>
           </a:p>
@@ -5429,7 +5558,7 @@
         <p:spPr>
           <a:xfrm>
             <a:off x="453688" y="1485291"/>
-            <a:ext cx="8206753" cy="5334833"/>
+            <a:ext cx="8206753" cy="5334834"/>
           </a:xfrm>
           <a:prstGeom prst="rect">
             <a:avLst/>
@@ -5438,7 +5567,7 @@
       </p:pic>
       <p:sp>
         <p:nvSpPr>
-          <p:cNvPr id="4" name="Номер слайда 3"/>
+          <p:cNvPr id="15" name="Номер слайда 14"/>
           <p:cNvSpPr>
             <a:spLocks noGrp="1"/>
           </p:cNvSpPr>

--- a/Презентация psv46.pptx
+++ b/Презентация psv46.pptx
@@ -11,9 +11,9 @@
     <p:sldId id="256" r:id="rId2"/>
     <p:sldId id="257" r:id="rId3"/>
     <p:sldId id="271" r:id="rId4"/>
-    <p:sldId id="258" r:id="rId5"/>
-    <p:sldId id="259" r:id="rId6"/>
-    <p:sldId id="260" r:id="rId7"/>
+    <p:sldId id="272" r:id="rId5"/>
+    <p:sldId id="258" r:id="rId6"/>
+    <p:sldId id="259" r:id="rId7"/>
     <p:sldId id="265" r:id="rId8"/>
     <p:sldId id="266" r:id="rId9"/>
     <p:sldId id="261" r:id="rId10"/>
@@ -205,7 +205,7 @@
             <a:fld id="{E9FEC328-82BE-41C4-8301-520848B4E01D}" type="datetimeFigureOut">
               <a:rPr lang="ru-RU" smtClean="0"/>
               <a:pPr/>
-              <a:t>12.05.2015</a:t>
+              <a:t>16.06.2015</a:t>
             </a:fld>
             <a:endParaRPr lang="ru-RU"/>
           </a:p>
@@ -763,7 +763,7 @@
             <a:fld id="{2E587AE5-40F7-44BD-84FC-4A872FBD661C}" type="datetime1">
               <a:rPr lang="ru-RU" smtClean="0"/>
               <a:pPr/>
-              <a:t>12.05.2015</a:t>
+              <a:t>16.06.2015</a:t>
             </a:fld>
             <a:endParaRPr lang="ru-RU"/>
           </a:p>
@@ -956,7 +956,7 @@
             <a:fld id="{F90F96A6-7AA1-406D-957D-67C6F40A00D7}" type="datetime1">
               <a:rPr lang="ru-RU" smtClean="0"/>
               <a:pPr/>
-              <a:t>12.05.2015</a:t>
+              <a:t>16.06.2015</a:t>
             </a:fld>
             <a:endParaRPr lang="ru-RU"/>
           </a:p>
@@ -1143,7 +1143,7 @@
             <a:fld id="{66EA30C3-2FCF-48B6-8EDD-A3A086EB01D7}" type="datetime1">
               <a:rPr lang="ru-RU" smtClean="0"/>
               <a:pPr/>
-              <a:t>12.05.2015</a:t>
+              <a:t>16.06.2015</a:t>
             </a:fld>
             <a:endParaRPr lang="ru-RU"/>
           </a:p>
@@ -1408,7 +1408,7 @@
             <a:fld id="{A06AD350-6B70-4C10-88ED-8740C09F49F0}" type="datetime1">
               <a:rPr lang="ru-RU" smtClean="0"/>
               <a:pPr/>
-              <a:t>12.05.2015</a:t>
+              <a:t>16.06.2015</a:t>
             </a:fld>
             <a:endParaRPr lang="ru-RU"/>
           </a:p>
@@ -1826,7 +1826,7 @@
             <a:fld id="{396F8A57-42AB-41B1-845B-769B98A7C224}" type="datetime1">
               <a:rPr lang="ru-RU" smtClean="0"/>
               <a:pPr/>
-              <a:t>12.05.2015</a:t>
+              <a:t>16.06.2015</a:t>
             </a:fld>
             <a:endParaRPr lang="ru-RU"/>
           </a:p>
@@ -2070,7 +2070,7 @@
             <a:fld id="{83F61661-8475-40EE-8559-BCE56ACA9C40}" type="datetime1">
               <a:rPr lang="ru-RU" smtClean="0"/>
               <a:pPr/>
-              <a:t>12.05.2015</a:t>
+              <a:t>16.06.2015</a:t>
             </a:fld>
             <a:endParaRPr lang="ru-RU"/>
           </a:p>
@@ -2308,7 +2308,7 @@
             <a:fld id="{17B90C62-94BA-4818-8337-F98C845351FB}" type="datetime1">
               <a:rPr lang="ru-RU" smtClean="0"/>
               <a:pPr/>
-              <a:t>12.05.2015</a:t>
+              <a:t>16.06.2015</a:t>
             </a:fld>
             <a:endParaRPr lang="ru-RU"/>
           </a:p>
@@ -2505,7 +2505,7 @@
             <a:fld id="{18CDB734-9A9B-4F4C-9202-6D4FA1B10D15}" type="datetime1">
               <a:rPr lang="ru-RU" smtClean="0"/>
               <a:pPr/>
-              <a:t>12.05.2015</a:t>
+              <a:t>16.06.2015</a:t>
             </a:fld>
             <a:endParaRPr lang="ru-RU"/>
           </a:p>
@@ -2605,7 +2605,7 @@
             <a:fld id="{10E83511-DF80-4A99-8921-76B90BBA7511}" type="datetime1">
               <a:rPr lang="ru-RU" smtClean="0"/>
               <a:pPr/>
-              <a:t>12.05.2015</a:t>
+              <a:t>16.06.2015</a:t>
             </a:fld>
             <a:endParaRPr lang="ru-RU"/>
           </a:p>
@@ -2743,7 +2743,7 @@
             <a:fld id="{4121419A-73A3-4C91-A79D-63AB78B0423B}" type="datetime1">
               <a:rPr lang="ru-RU" smtClean="0"/>
               <a:pPr/>
-              <a:t>12.05.2015</a:t>
+              <a:t>16.06.2015</a:t>
             </a:fld>
             <a:endParaRPr lang="ru-RU"/>
           </a:p>
@@ -3263,7 +3263,7 @@
             <a:fld id="{A0E6ADFE-120D-49F0-A2B0-1E0FDBC1C4A4}" type="datetime1">
               <a:rPr lang="ru-RU" smtClean="0"/>
               <a:pPr/>
-              <a:t>12.05.2015</a:t>
+              <a:t>16.06.2015</a:t>
             </a:fld>
             <a:endParaRPr lang="ru-RU"/>
           </a:p>
@@ -3526,7 +3526,7 @@
             <a:fld id="{F20B3184-7766-4899-87C6-11DA0A828E0E}" type="datetime1">
               <a:rPr lang="ru-RU" smtClean="0"/>
               <a:pPr/>
-              <a:t>12.05.2015</a:t>
+              <a:t>16.06.2015</a:t>
             </a:fld>
             <a:endParaRPr lang="ru-RU"/>
           </a:p>
@@ -4080,7 +4080,7 @@
         <p:spPr>
           <a:xfrm>
             <a:off x="359024" y="404664"/>
-            <a:ext cx="8784976" cy="2808312"/>
+            <a:ext cx="8784976" cy="3384376"/>
           </a:xfrm>
         </p:spPr>
         <p:txBody>
@@ -4092,7 +4092,7 @@
             <a:pPr algn="ctr"/>
             <a:r>
               <a:rPr lang="ru-RU" sz="4000" dirty="0" smtClean="0"/>
-              <a:t>Разработка автоматизированной системы учёта договоров в ОАО «Российские</a:t>
+              <a:t>Тема: Разработка автоматизированной системы учёта договоров в ОАО «Российские</a:t>
             </a:r>
             <a:br>
               <a:rPr lang="ru-RU" sz="4000" dirty="0" smtClean="0"/>
@@ -4135,7 +4135,7 @@
             <a:pPr algn="l"/>
             <a:r>
               <a:rPr lang="ru-RU" dirty="0" smtClean="0"/>
-              <a:t>Руководитель: Лепёшкин Д.С.</a:t>
+              <a:t>Руководитель: Лепешкин Д.С.</a:t>
             </a:r>
             <a:endParaRPr lang="ru-RU" dirty="0"/>
           </a:p>
@@ -4186,13 +4186,13 @@
         <p:spPr/>
         <p:txBody>
           <a:bodyPr>
-            <a:normAutofit fontScale="90000"/>
+            <a:normAutofit/>
           </a:bodyPr>
           <a:lstStyle/>
           <a:p>
             <a:r>
               <a:rPr lang="ru-RU" dirty="0" smtClean="0"/>
-              <a:t>Окно редактирования договора 2</a:t>
+              <a:t>Форма этапов договора</a:t>
             </a:r>
             <a:endParaRPr lang="ru-RU" dirty="0"/>
           </a:p>
@@ -4214,8 +4214,8 @@
         </p:blipFill>
         <p:spPr>
           <a:xfrm>
-            <a:off x="453688" y="1485291"/>
-            <a:ext cx="8206753" cy="5334833"/>
+            <a:off x="453689" y="1485291"/>
+            <a:ext cx="8206751" cy="5334833"/>
           </a:xfrm>
           <a:prstGeom prst="rect">
             <a:avLst/>
@@ -4293,13 +4293,13 @@
         <p:spPr/>
         <p:txBody>
           <a:bodyPr>
-            <a:normAutofit fontScale="90000"/>
+            <a:normAutofit/>
           </a:bodyPr>
           <a:lstStyle/>
           <a:p>
             <a:r>
               <a:rPr lang="ru-RU" dirty="0" smtClean="0"/>
-              <a:t>Окно редактирования договора 3</a:t>
+              <a:t>Архив документов по договору</a:t>
             </a:r>
             <a:endParaRPr lang="ru-RU" dirty="0"/>
           </a:p>
@@ -4322,7 +4322,7 @@
         <p:spPr>
           <a:xfrm>
             <a:off x="453689" y="1485291"/>
-            <a:ext cx="8206751" cy="5334833"/>
+            <a:ext cx="8206751" cy="5334832"/>
           </a:xfrm>
           <a:prstGeom prst="rect">
             <a:avLst/>
@@ -4400,17 +4400,13 @@
         <p:spPr/>
         <p:txBody>
           <a:bodyPr>
-            <a:normAutofit/>
+            <a:normAutofit fontScale="90000"/>
           </a:bodyPr>
           <a:lstStyle/>
           <a:p>
             <a:r>
-              <a:rPr lang="ru-RU" dirty="0" err="1" smtClean="0"/>
-              <a:t>Валидация</a:t>
-            </a:r>
-            <a:r>
               <a:rPr lang="ru-RU" dirty="0" smtClean="0"/>
-              <a:t> при сохранении</a:t>
+              <a:t>Проверка корректности договора</a:t>
             </a:r>
             <a:endParaRPr lang="ru-RU" dirty="0"/>
           </a:p>
@@ -4433,7 +4429,7 @@
         <p:spPr>
           <a:xfrm>
             <a:off x="453689" y="1485291"/>
-            <a:ext cx="8206751" cy="5334832"/>
+            <a:ext cx="8206750" cy="5334832"/>
           </a:xfrm>
           <a:prstGeom prst="rect">
             <a:avLst/>
@@ -4546,46 +4542,51 @@
           <a:lstStyle/>
           <a:p>
             <a:r>
+              <a:rPr lang="ru-RU" strike="sngStrike" dirty="0" smtClean="0"/>
+              <a:t>В процессе написания автоматизированной системы были решены следующие задачи:</a:t>
+            </a:r>
+          </a:p>
+          <a:p>
+            <a:pPr lvl="1"/>
+            <a:r>
+              <a:rPr lang="ru-RU" strike="sngStrike" dirty="0" smtClean="0"/>
+              <a:t>Определён функционал разрабатываемой системы;</a:t>
+            </a:r>
+          </a:p>
+          <a:p>
+            <a:pPr lvl="1"/>
+            <a:r>
+              <a:rPr lang="ru-RU" strike="sngStrike" dirty="0" smtClean="0"/>
+              <a:t>Спроектирована архитектура АС;</a:t>
+            </a:r>
+          </a:p>
+          <a:p>
+            <a:pPr lvl="1"/>
+            <a:r>
+              <a:rPr lang="ru-RU" strike="sngStrike" dirty="0" smtClean="0"/>
+              <a:t>Разработана программа;</a:t>
+            </a:r>
+          </a:p>
+          <a:p>
+            <a:pPr lvl="1"/>
+            <a:r>
+              <a:rPr lang="ru-RU" strike="sngStrike" dirty="0" smtClean="0"/>
+              <a:t>АС была внедрена в производственный процесс.</a:t>
+            </a:r>
+          </a:p>
+          <a:p>
+            <a:endParaRPr lang="ru-RU" dirty="0" smtClean="0"/>
+          </a:p>
+          <a:p>
+            <a:r>
               <a:rPr lang="ru-RU" dirty="0" smtClean="0"/>
-              <a:t>В процессе написания автоматизированной системы были решены следующие задачи:</a:t>
-            </a:r>
-          </a:p>
-          <a:p>
-            <a:pPr lvl="1"/>
-            <a:r>
-              <a:rPr lang="ru-RU" dirty="0" smtClean="0"/>
-              <a:t>Определён функционал разрабатываемой системы;</a:t>
-            </a:r>
-          </a:p>
-          <a:p>
-            <a:pPr lvl="1"/>
-            <a:r>
-              <a:rPr lang="ru-RU" dirty="0" smtClean="0"/>
-              <a:t>Спроектирована архитектура АС;</a:t>
-            </a:r>
-          </a:p>
-          <a:p>
-            <a:pPr lvl="1"/>
-            <a:r>
-              <a:rPr lang="ru-RU" dirty="0" smtClean="0"/>
-              <a:t>Разработана программа;</a:t>
-            </a:r>
-          </a:p>
-          <a:p>
-            <a:pPr lvl="1"/>
-            <a:r>
-              <a:rPr lang="ru-RU" dirty="0" smtClean="0"/>
-              <a:t> - АС была внедрена в производственный процесс.</a:t>
-            </a:r>
-          </a:p>
-          <a:p>
+              <a:t>Внедрение системы дало следующие плюсы: (</a:t>
+            </a:r>
+            <a:r>
+              <a:rPr lang="en-US" smtClean="0"/>
+              <a:t>?)</a:t>
+            </a:r>
             <a:endParaRPr lang="ru-RU" dirty="0" smtClean="0"/>
-          </a:p>
-          <a:p>
-            <a:r>
-              <a:rPr lang="ru-RU" dirty="0" smtClean="0"/>
-              <a:t>Внедрение системы дало следующие плюсы:</a:t>
-            </a:r>
           </a:p>
           <a:p>
             <a:pPr lvl="1"/>
@@ -4707,14 +4708,28 @@
           <a:bodyPr/>
           <a:lstStyle/>
           <a:p>
-            <a:pPr marL="0" indent="320400">
-              <a:buNone/>
-            </a:pPr>
             <a:r>
               <a:rPr lang="ru-RU" dirty="0" smtClean="0"/>
-              <a:t>Данная выпускная квалификационная работа посвящена разработке автоматизированной системе документооборота, упрощающую подачу, обработку, поиск документов и наблюдение за их выполнением.</a:t>
-            </a:r>
-            <a:endParaRPr lang="ru-RU" dirty="0"/>
+              <a:t>Изучение специфики ведения учёта договоров подразделения;</a:t>
+            </a:r>
+          </a:p>
+          <a:p>
+            <a:r>
+              <a:rPr lang="ru-RU" dirty="0" smtClean="0"/>
+              <a:t>Изучение особенностей автоматизированных систем документооборота;</a:t>
+            </a:r>
+          </a:p>
+          <a:p>
+            <a:r>
+              <a:rPr lang="ru-RU" dirty="0" smtClean="0"/>
+              <a:t>Разработка архитектуры базы данных;</a:t>
+            </a:r>
+          </a:p>
+          <a:p>
+            <a:r>
+              <a:rPr lang="ru-RU" dirty="0" smtClean="0"/>
+              <a:t>Разработка приложения.</a:t>
+            </a:r>
           </a:p>
         </p:txBody>
       </p:sp>
@@ -4827,11 +4842,7 @@
           <a:p>
             <a:r>
               <a:rPr lang="ru-RU" dirty="0" smtClean="0"/>
-              <a:t>СЭД </a:t>
-            </a:r>
-            <a:r>
-              <a:rPr lang="ru-RU" dirty="0" smtClean="0"/>
-              <a:t>«ДЕЛО»</a:t>
+              <a:t>СЭД «ДЕЛО»</a:t>
             </a:r>
             <a:r>
               <a:rPr lang="en-US" dirty="0" smtClean="0"/>
@@ -4846,11 +4857,7 @@
             </a:r>
             <a:r>
               <a:rPr lang="en-US" dirty="0" smtClean="0"/>
-              <a:t> 5</a:t>
-            </a:r>
-            <a:r>
-              <a:rPr lang="en-US" dirty="0" smtClean="0"/>
-              <a:t>;</a:t>
+              <a:t> 5;</a:t>
             </a:r>
             <a:endParaRPr lang="ru-RU" dirty="0" smtClean="0"/>
           </a:p>
@@ -4962,82 +4969,102 @@
         </p:nvSpPr>
         <p:spPr/>
         <p:txBody>
+          <a:bodyPr/>
+          <a:lstStyle/>
+          <a:p>
+            <a:r>
+              <a:rPr lang="ru-RU" dirty="0" smtClean="0"/>
+              <a:t>Требования к системе</a:t>
+            </a:r>
+            <a:endParaRPr lang="ru-RU" dirty="0"/>
+          </a:p>
+        </p:txBody>
+      </p:sp>
+      <p:sp>
+        <p:nvSpPr>
+          <p:cNvPr id="3" name="Содержимое 2"/>
+          <p:cNvSpPr>
+            <a:spLocks noGrp="1"/>
+          </p:cNvSpPr>
+          <p:nvPr>
+            <p:ph sz="quarter" idx="1"/>
+          </p:nvPr>
+        </p:nvSpPr>
+        <p:spPr/>
+        <p:txBody>
           <a:bodyPr>
-            <a:normAutofit fontScale="90000"/>
+            <a:normAutofit fontScale="77500" lnSpcReduction="20000"/>
           </a:bodyPr>
           <a:lstStyle/>
           <a:p>
+            <a:pPr marL="0" indent="320040">
+              <a:buNone/>
+            </a:pPr>
             <a:r>
               <a:rPr lang="ru-RU" dirty="0" smtClean="0"/>
-              <a:t>Выбор архитектуры</a:t>
-            </a:r>
-            <a:br>
+              <a:t>Разрабатываемая система должна соответствовать следующим требованиям:</a:t>
+            </a:r>
+          </a:p>
+          <a:p>
+            <a:r>
               <a:rPr lang="ru-RU" dirty="0" smtClean="0"/>
-            </a:br>
+              <a:t>быть полностью совместимой с операционной системой </a:t>
+            </a:r>
+            <a:r>
+              <a:rPr lang="ru-RU" dirty="0" err="1" smtClean="0"/>
+              <a:t>Windows</a:t>
+            </a:r>
             <a:r>
               <a:rPr lang="ru-RU" dirty="0" smtClean="0"/>
-              <a:t>разрабатываемой системы</a:t>
-            </a:r>
-            <a:endParaRPr lang="ru-RU" dirty="0"/>
-          </a:p>
-        </p:txBody>
-      </p:sp>
-      <p:sp>
-        <p:nvSpPr>
-          <p:cNvPr id="3" name="Содержимое 2"/>
-          <p:cNvSpPr>
-            <a:spLocks noGrp="1"/>
-          </p:cNvSpPr>
-          <p:nvPr>
-            <p:ph sz="quarter" idx="1"/>
-          </p:nvPr>
-        </p:nvSpPr>
-        <p:spPr/>
-        <p:txBody>
-          <a:bodyPr/>
-          <a:lstStyle/>
+              <a:t> 7 и выше;</a:t>
+            </a:r>
+          </a:p>
           <a:p>
             <a:r>
               <a:rPr lang="ru-RU" dirty="0" smtClean="0"/>
-              <a:t>Среда разработки приложений: </a:t>
-            </a:r>
-            <a:endParaRPr lang="en-US" dirty="0" smtClean="0"/>
-          </a:p>
-          <a:p>
-            <a:pPr lvl="1"/>
-            <a:r>
-              <a:rPr lang="en-US" dirty="0" smtClean="0"/>
-              <a:t>Microsoft Visual Studio 2012</a:t>
+              <a:t>иметь локальную базу данных, хранимую на рабочем месте;</a:t>
             </a:r>
           </a:p>
           <a:p>
             <a:r>
               <a:rPr lang="ru-RU" dirty="0" smtClean="0"/>
-              <a:t>Язык программирования:</a:t>
-            </a:r>
-            <a:endParaRPr lang="en-US" dirty="0" smtClean="0"/>
-          </a:p>
-          <a:p>
-            <a:pPr lvl="1"/>
-            <a:r>
-              <a:rPr lang="en-US" dirty="0" smtClean="0"/>
-              <a:t>C#</a:t>
+              <a:t>обладать  возможностью получения свободных отчётов по данным договоров;</a:t>
             </a:r>
           </a:p>
           <a:p>
             <a:r>
               <a:rPr lang="ru-RU" dirty="0" smtClean="0"/>
-              <a:t>СУБД: </a:t>
-            </a:r>
-            <a:endParaRPr lang="en-US" dirty="0" smtClean="0"/>
-          </a:p>
-          <a:p>
-            <a:pPr lvl="1"/>
-            <a:r>
-              <a:rPr lang="en-US" dirty="0" smtClean="0"/>
-              <a:t>Microsoft SQL Server</a:t>
-            </a:r>
-            <a:endParaRPr lang="ru-RU" dirty="0"/>
+              <a:t>поддерживать многопользовательский режим;</a:t>
+            </a:r>
+          </a:p>
+          <a:p>
+            <a:r>
+              <a:rPr lang="ru-RU" dirty="0" smtClean="0"/>
+              <a:t>иметь дружеский интерфейс для </a:t>
+            </a:r>
+            <a:r>
+              <a:rPr lang="ru-RU" smtClean="0"/>
+              <a:t>удобного </a:t>
+            </a:r>
+            <a:r>
+              <a:rPr lang="ru-RU" smtClean="0"/>
+              <a:t>пользования;</a:t>
+            </a:r>
+            <a:endParaRPr lang="ru-RU" dirty="0" smtClean="0"/>
+          </a:p>
+          <a:p>
+            <a:r>
+              <a:rPr lang="ru-RU" dirty="0" smtClean="0"/>
+              <a:t>соответствовать требованиям объектно-ориентированного программирования для последующего </a:t>
+            </a:r>
+            <a:r>
+              <a:rPr lang="ru-RU" dirty="0" smtClean="0"/>
+              <a:t>развития </a:t>
+            </a:r>
+            <a:r>
+              <a:rPr lang="ru-RU" dirty="0" smtClean="0"/>
+              <a:t>системы.</a:t>
+            </a:r>
           </a:p>
         </p:txBody>
       </p:sp>
@@ -5111,43 +5138,88 @@
         </p:nvSpPr>
         <p:spPr/>
         <p:txBody>
+          <a:bodyPr>
+            <a:normAutofit fontScale="90000"/>
+          </a:bodyPr>
+          <a:lstStyle/>
+          <a:p>
+            <a:r>
+              <a:rPr lang="ru-RU" dirty="0" smtClean="0"/>
+              <a:t>Выбор архитектуры</a:t>
+            </a:r>
+            <a:br>
+              <a:rPr lang="ru-RU" dirty="0" smtClean="0"/>
+            </a:br>
+            <a:r>
+              <a:rPr lang="ru-RU" dirty="0" smtClean="0"/>
+              <a:t>разрабатываемой системы</a:t>
+            </a:r>
+            <a:endParaRPr lang="ru-RU" dirty="0"/>
+          </a:p>
+        </p:txBody>
+      </p:sp>
+      <p:sp>
+        <p:nvSpPr>
+          <p:cNvPr id="3" name="Содержимое 2"/>
+          <p:cNvSpPr>
+            <a:spLocks noGrp="1"/>
+          </p:cNvSpPr>
+          <p:nvPr>
+            <p:ph sz="quarter" idx="1"/>
+          </p:nvPr>
+        </p:nvSpPr>
+        <p:spPr/>
+        <p:txBody>
           <a:bodyPr/>
           <a:lstStyle/>
           <a:p>
             <a:r>
               <a:rPr lang="ru-RU" dirty="0" smtClean="0"/>
-              <a:t>Диаграмма классов системы</a:t>
+              <a:t>Среда разработки приложений: </a:t>
+            </a:r>
+            <a:endParaRPr lang="en-US" dirty="0" smtClean="0"/>
+          </a:p>
+          <a:p>
+            <a:pPr lvl="1"/>
+            <a:r>
+              <a:rPr lang="en-US" dirty="0" smtClean="0"/>
+              <a:t>Microsoft Visual Studio 2012</a:t>
+            </a:r>
+          </a:p>
+          <a:p>
+            <a:r>
+              <a:rPr lang="ru-RU" dirty="0" smtClean="0"/>
+              <a:t>Язык программирования:</a:t>
+            </a:r>
+            <a:endParaRPr lang="en-US" dirty="0" smtClean="0"/>
+          </a:p>
+          <a:p>
+            <a:pPr lvl="1"/>
+            <a:r>
+              <a:rPr lang="en-US" dirty="0" smtClean="0"/>
+              <a:t>C#</a:t>
+            </a:r>
+          </a:p>
+          <a:p>
+            <a:r>
+              <a:rPr lang="ru-RU" dirty="0" smtClean="0"/>
+              <a:t>СУБД: </a:t>
+            </a:r>
+            <a:endParaRPr lang="en-US" dirty="0" smtClean="0"/>
+          </a:p>
+          <a:p>
+            <a:pPr lvl="1"/>
+            <a:r>
+              <a:rPr lang="en-US" dirty="0" smtClean="0"/>
+              <a:t>Microsoft SQL Server</a:t>
             </a:r>
             <a:endParaRPr lang="ru-RU" dirty="0"/>
           </a:p>
         </p:txBody>
       </p:sp>
-      <p:pic>
-        <p:nvPicPr>
-          <p:cNvPr id="4" name="Содержимое 3" descr="diagram2.png"/>
-          <p:cNvPicPr>
-            <a:picLocks noGrp="1" noChangeAspect="1"/>
-          </p:cNvPicPr>
-          <p:nvPr>
-            <p:ph sz="quarter" idx="1"/>
-          </p:nvPr>
-        </p:nvPicPr>
-        <p:blipFill>
-          <a:blip r:embed="rId2" cstate="print"/>
-          <a:stretch>
-            <a:fillRect/>
-          </a:stretch>
-        </p:blipFill>
-        <p:spPr>
-          <a:xfrm>
-            <a:off x="1331640" y="1600199"/>
-            <a:ext cx="6641433" cy="5257801"/>
-          </a:xfrm>
-        </p:spPr>
-      </p:pic>
-      <p:sp>
-        <p:nvSpPr>
-          <p:cNvPr id="5" name="Номер слайда 4"/>
+      <p:sp>
+        <p:nvSpPr>
+          <p:cNvPr id="4" name="Номер слайда 3"/>
           <p:cNvSpPr>
             <a:spLocks noGrp="1"/>
           </p:cNvSpPr>
@@ -5220,7 +5292,7 @@
           <a:p>
             <a:r>
               <a:rPr lang="ru-RU" dirty="0" smtClean="0"/>
-              <a:t>Основное окно</a:t>
+              <a:t>Диаграмма классов системы</a:t>
             </a:r>
             <a:endParaRPr lang="ru-RU" dirty="0"/>
           </a:p>
@@ -5228,11 +5300,13 @@
       </p:sp>
       <p:pic>
         <p:nvPicPr>
-          <p:cNvPr id="6" name="Рисунок 5" descr="Snap1.png"/>
+          <p:cNvPr id="4" name="Содержимое 3" descr="diagram2.png"/>
           <p:cNvPicPr>
-            <a:picLocks noChangeAspect="1"/>
+            <a:picLocks noGrp="1" noChangeAspect="1"/>
           </p:cNvPicPr>
-          <p:nvPr/>
+          <p:nvPr>
+            <p:ph sz="quarter" idx="1"/>
+          </p:nvPr>
         </p:nvPicPr>
         <p:blipFill>
           <a:blip r:embed="rId2" cstate="print"/>
@@ -5242,22 +5316,19 @@
         </p:blipFill>
         <p:spPr>
           <a:xfrm>
-            <a:off x="179512" y="2060848"/>
-            <a:ext cx="8784976" cy="3495909"/>
-          </a:xfrm>
-          <a:prstGeom prst="rect">
-            <a:avLst/>
-          </a:prstGeom>
+            <a:off x="1251284" y="1512345"/>
+            <a:ext cx="6641432" cy="5257801"/>
+          </a:xfrm>
         </p:spPr>
       </p:pic>
       <p:sp>
         <p:nvSpPr>
-          <p:cNvPr id="9" name="Номер слайда 8"/>
-          <p:cNvSpPr>
-            <a:spLocks noGrp="1"/>
-          </p:cNvSpPr>
-          <p:nvPr>
-            <p:ph type="sldNum" sz="quarter" idx="16"/>
+          <p:cNvPr id="5" name="Номер слайда 4"/>
+          <p:cNvSpPr>
+            <a:spLocks noGrp="1"/>
+          </p:cNvSpPr>
+          <p:nvPr>
+            <p:ph type="sldNum" sz="quarter" idx="12"/>
           </p:nvPr>
         </p:nvSpPr>
         <p:spPr/>
@@ -5348,7 +5419,7 @@
         <p:spPr>
           <a:xfrm>
             <a:off x="2123727" y="1576780"/>
-            <a:ext cx="4856281" cy="5108712"/>
+            <a:ext cx="4856281" cy="5108711"/>
           </a:xfrm>
           <a:prstGeom prst="rect">
             <a:avLst/>
@@ -5430,7 +5501,7 @@
           <a:p>
             <a:r>
               <a:rPr lang="ru-RU" dirty="0" smtClean="0"/>
-              <a:t>Отчёты</a:t>
+              <a:t>Подготовка отчётов</a:t>
             </a:r>
             <a:endParaRPr lang="ru-RU" dirty="0"/>
           </a:p>
@@ -5452,8 +5523,8 @@
         </p:blipFill>
         <p:spPr>
           <a:xfrm>
-            <a:off x="323528" y="1700808"/>
-            <a:ext cx="8547602" cy="4830760"/>
+            <a:off x="323528" y="1917199"/>
+            <a:ext cx="8547602" cy="4397978"/>
           </a:xfrm>
           <a:prstGeom prst="rect">
             <a:avLst/>
@@ -5530,12 +5601,14 @@
         </p:nvSpPr>
         <p:spPr/>
         <p:txBody>
-          <a:bodyPr/>
+          <a:bodyPr>
+            <a:normAutofit/>
+          </a:bodyPr>
           <a:lstStyle/>
           <a:p>
             <a:r>
               <a:rPr lang="ru-RU" dirty="0" smtClean="0"/>
-              <a:t>Окно редактирования договора</a:t>
+              <a:t>Атрибуты договора</a:t>
             </a:r>
             <a:endParaRPr lang="ru-RU" dirty="0"/>
           </a:p>
@@ -5558,7 +5631,7 @@
         <p:spPr>
           <a:xfrm>
             <a:off x="453688" y="1485291"/>
-            <a:ext cx="8206753" cy="5334834"/>
+            <a:ext cx="8206753" cy="5334833"/>
           </a:xfrm>
           <a:prstGeom prst="rect">
             <a:avLst/>
